--- a/Tutorial/training1.pptx
+++ b/Tutorial/training1.pptx
@@ -5,16 +5,16 @@
     <p:sldMasterId id="2147483648" r:id="rId1"/>
   </p:sldMasterIdLst>
   <p:notesMasterIdLst>
-    <p:notesMasterId r:id="rId36"/>
+    <p:notesMasterId r:id="rId35"/>
   </p:notesMasterIdLst>
   <p:handoutMasterIdLst>
-    <p:handoutMasterId r:id="rId37"/>
+    <p:handoutMasterId r:id="rId36"/>
   </p:handoutMasterIdLst>
   <p:sldIdLst>
     <p:sldId id="265" r:id="rId2"/>
     <p:sldId id="345" r:id="rId3"/>
-    <p:sldId id="320" r:id="rId4"/>
-    <p:sldId id="310" r:id="rId5"/>
+    <p:sldId id="355" r:id="rId4"/>
+    <p:sldId id="320" r:id="rId5"/>
     <p:sldId id="322" r:id="rId6"/>
     <p:sldId id="323" r:id="rId7"/>
     <p:sldId id="324" r:id="rId8"/>
@@ -43,13 +43,12 @@
     <p:sldId id="350" r:id="rId31"/>
     <p:sldId id="351" r:id="rId32"/>
     <p:sldId id="352" r:id="rId33"/>
-    <p:sldId id="353" r:id="rId34"/>
-    <p:sldId id="354" r:id="rId35"/>
+    <p:sldId id="354" r:id="rId34"/>
   </p:sldIdLst>
   <p:sldSz cx="12188825" cy="6858000"/>
   <p:notesSz cx="6858000" cy="9144000"/>
   <p:custDataLst>
-    <p:tags r:id="rId38"/>
+    <p:tags r:id="rId37"/>
   </p:custDataLst>
   <p:defaultTextStyle>
     <a:defPPr>
@@ -250,7 +249,7 @@
           <a:p>
             <a:fld id="{59088EAF-6ECA-4616-85EF-35AA19C641F3}" type="datetimeFigureOut">
               <a:rPr lang="en-US"/>
-              <a:t>11/2/2018</a:t>
+              <a:t>11/7/2018</a:t>
             </a:fld>
             <a:endParaRPr/>
           </a:p>
@@ -415,7 +414,7 @@
           <a:p>
             <a:fld id="{3ABD2D7A-D230-4F91-BD59-0A39C2703BA8}" type="datetimeFigureOut">
               <a:rPr lang="en-US"/>
-              <a:t>11/2/2018</a:t>
+              <a:t>11/7/2018</a:t>
             </a:fld>
             <a:endParaRPr/>
           </a:p>
@@ -1024,7 +1023,7 @@
           <a:p>
             <a:fld id="{03F41C87-7AD9-4845-A077-840E4A0F3F06}" type="datetimeFigureOut">
               <a:rPr lang="en-US"/>
-              <a:t>11/2/2018</a:t>
+              <a:t>11/7/2018</a:t>
             </a:fld>
             <a:endParaRPr/>
           </a:p>
@@ -1216,7 +1215,7 @@
           <a:p>
             <a:fld id="{03F41C87-7AD9-4845-A077-840E4A0F3F06}" type="datetimeFigureOut">
               <a:rPr lang="en-US"/>
-              <a:t>11/2/2018</a:t>
+              <a:t>11/7/2018</a:t>
             </a:fld>
             <a:endParaRPr/>
           </a:p>
@@ -1405,7 +1404,7 @@
           <a:p>
             <a:fld id="{03F41C87-7AD9-4845-A077-840E4A0F3F06}" type="datetimeFigureOut">
               <a:rPr lang="en-US"/>
-              <a:t>11/2/2018</a:t>
+              <a:t>11/7/2018</a:t>
             </a:fld>
             <a:endParaRPr/>
           </a:p>
@@ -1685,7 +1684,7 @@
           <a:p>
             <a:fld id="{03F41C87-7AD9-4845-A077-840E4A0F3F06}" type="datetimeFigureOut">
               <a:rPr lang="en-US"/>
-              <a:t>11/2/2018</a:t>
+              <a:t>11/7/2018</a:t>
             </a:fld>
             <a:endParaRPr/>
           </a:p>
@@ -1989,7 +1988,7 @@
           <a:p>
             <a:fld id="{03F41C87-7AD9-4845-A077-840E4A0F3F06}" type="datetimeFigureOut">
               <a:rPr lang="en-US"/>
-              <a:t>11/2/2018</a:t>
+              <a:t>11/7/2018</a:t>
             </a:fld>
             <a:endParaRPr/>
           </a:p>
@@ -2445,7 +2444,7 @@
           <a:p>
             <a:fld id="{03F41C87-7AD9-4845-A077-840E4A0F3F06}" type="datetimeFigureOut">
               <a:rPr lang="en-US"/>
-              <a:t>11/2/2018</a:t>
+              <a:t>11/7/2018</a:t>
             </a:fld>
             <a:endParaRPr/>
           </a:p>
@@ -2575,7 +2574,7 @@
           <a:p>
             <a:fld id="{03F41C87-7AD9-4845-A077-840E4A0F3F06}" type="datetimeFigureOut">
               <a:rPr lang="en-US"/>
-              <a:t>11/2/2018</a:t>
+              <a:t>11/7/2018</a:t>
             </a:fld>
             <a:endParaRPr/>
           </a:p>
@@ -2690,7 +2689,7 @@
           <a:p>
             <a:fld id="{03F41C87-7AD9-4845-A077-840E4A0F3F06}" type="datetimeFigureOut">
               <a:rPr lang="en-US"/>
-              <a:t>11/2/2018</a:t>
+              <a:t>11/7/2018</a:t>
             </a:fld>
             <a:endParaRPr/>
           </a:p>
@@ -3012,7 +3011,7 @@
           <a:p>
             <a:fld id="{03F41C87-7AD9-4845-A077-840E4A0F3F06}" type="datetimeFigureOut">
               <a:rPr lang="en-US"/>
-              <a:t>11/2/2018</a:t>
+              <a:t>11/7/2018</a:t>
             </a:fld>
             <a:endParaRPr/>
           </a:p>
@@ -3324,7 +3323,7 @@
             <a:fld id="{03F41C87-7AD9-4845-A077-840E4A0F3F06}" type="datetimeFigureOut">
               <a:rPr lang="en-US"/>
               <a:pPr/>
-              <a:t>11/2/2018</a:t>
+              <a:t>11/7/2018</a:t>
             </a:fld>
             <a:endParaRPr/>
           </a:p>
@@ -3578,7 +3577,7 @@
             <a:fld id="{03F41C87-7AD9-4845-A077-840E4A0F3F06}" type="datetimeFigureOut">
               <a:rPr lang="en-US" smtClean="0"/>
               <a:pPr/>
-              <a:t>11/2/2018</a:t>
+              <a:t>11/7/2018</a:t>
             </a:fld>
             <a:endParaRPr lang="en-US"/>
           </a:p>
@@ -7933,7 +7932,7 @@
           <p:cNvPr id="2" name="Title 1">
             <a:extLst>
               <a:ext uri="{FF2B5EF4-FFF2-40B4-BE49-F238E27FC236}">
-                <a16:creationId xmlns:a16="http://schemas.microsoft.com/office/drawing/2014/main" id="{116875EF-8016-4608-8C0C-1AAB21B82D2B}"/>
+                <a16:creationId xmlns:a16="http://schemas.microsoft.com/office/drawing/2014/main" id="{B11DC91F-14B1-4DF2-8C1E-6D2ED6FBBFAC}"/>
               </a:ext>
             </a:extLst>
           </p:cNvPr>
@@ -7951,76 +7950,88 @@
           <a:p>
             <a:r>
               <a:rPr lang="en-US" dirty="0"/>
-              <a:t>What is a Microservice?</a:t>
-            </a:r>
-          </a:p>
-        </p:txBody>
-      </p:sp>
-      <p:sp>
-        <p:nvSpPr>
-          <p:cNvPr id="3" name="TextBox 2">
+              <a:t>Required Software</a:t>
+            </a:r>
+          </a:p>
+        </p:txBody>
+      </p:sp>
+      <p:sp>
+        <p:nvSpPr>
+          <p:cNvPr id="3" name="Content Placeholder 2">
             <a:extLst>
               <a:ext uri="{FF2B5EF4-FFF2-40B4-BE49-F238E27FC236}">
-                <a16:creationId xmlns:a16="http://schemas.microsoft.com/office/drawing/2014/main" id="{A53D43B1-2748-4D30-909E-EC5286A15B21}"/>
+                <a16:creationId xmlns:a16="http://schemas.microsoft.com/office/drawing/2014/main" id="{5C84AA4E-A230-4DC8-9C1C-67595B9DDF77}"/>
               </a:ext>
             </a:extLst>
           </p:cNvPr>
-          <p:cNvSpPr txBox="1"/>
-          <p:nvPr/>
-        </p:nvSpPr>
-        <p:spPr>
-          <a:xfrm>
-            <a:off x="1522412" y="2514600"/>
-            <a:ext cx="9144001" cy="3108543"/>
-          </a:xfrm>
-          <a:prstGeom prst="rect">
-            <a:avLst/>
-          </a:prstGeom>
-          <a:noFill/>
-        </p:spPr>
-        <p:txBody>
-          <a:bodyPr wrap="square" rtlCol="0">
-            <a:spAutoFit/>
-          </a:bodyPr>
+          <p:cNvSpPr>
+            <a:spLocks noGrp="1"/>
+          </p:cNvSpPr>
+          <p:nvPr>
+            <p:ph idx="1"/>
+          </p:nvPr>
+        </p:nvSpPr>
+        <p:spPr/>
+        <p:txBody>
+          <a:bodyPr/>
           <a:lstStyle/>
           <a:p>
             <a:r>
-              <a:rPr lang="en-US" sz="2800" dirty="0"/>
-              <a:t>From Wikipedia </a:t>
-            </a:r>
-            <a:br>
-              <a:rPr lang="en-US" sz="2800" dirty="0"/>
-            </a:br>
-            <a:r>
-              <a:rPr lang="en-US" sz="2800" dirty="0"/>
-              <a:t>(</a:t>
-            </a:r>
-            <a:r>
-              <a:rPr lang="en-US" sz="2800" dirty="0">
+              <a:rPr lang="en-US" dirty="0"/>
+              <a:t>Docker CE (</a:t>
+            </a:r>
+            <a:r>
+              <a:rPr lang="en-US" dirty="0">
                 <a:hlinkClick r:id="rId2"/>
               </a:rPr>
-              <a:t>https://en.wikipedia.org/wiki/Microservices </a:t>
-            </a:r>
-            <a:r>
-              <a:rPr lang="en-US" sz="2800" dirty="0"/>
-              <a:t>):</a:t>
-            </a:r>
-          </a:p>
-          <a:p>
-            <a:endParaRPr lang="en-US" sz="2800" dirty="0"/>
-          </a:p>
-          <a:p>
-            <a:r>
-              <a:rPr lang="en-US" sz="2800" dirty="0"/>
-              <a:t>There is no industry consensus yet regarding the properties of microservices, and an official definition is missing as well. Some of the defining characteristics that are frequently cited include…</a:t>
-            </a:r>
+              <a:t>https://docs.docker.com/install/</a:t>
+            </a:r>
+            <a:r>
+              <a:rPr lang="en-US" dirty="0"/>
+              <a:t>)</a:t>
+            </a:r>
+          </a:p>
+          <a:p>
+            <a:r>
+              <a:rPr lang="en-US" dirty="0"/>
+              <a:t>Docker Compose (</a:t>
+            </a:r>
+            <a:r>
+              <a:rPr lang="en-US" dirty="0">
+                <a:hlinkClick r:id="rId3"/>
+              </a:rPr>
+              <a:t>https://docs.docker.com/compose/install/</a:t>
+            </a:r>
+            <a:r>
+              <a:rPr lang="en-US" dirty="0"/>
+              <a:t>) </a:t>
+            </a:r>
+          </a:p>
+          <a:p>
+            <a:r>
+              <a:rPr lang="en-US" dirty="0"/>
+              <a:t>Git (</a:t>
+            </a:r>
+            <a:r>
+              <a:rPr lang="en-US" dirty="0">
+                <a:hlinkClick r:id="rId4"/>
+              </a:rPr>
+              <a:t>https://git-scm.com/downloads</a:t>
+            </a:r>
+            <a:r>
+              <a:rPr lang="en-US" dirty="0"/>
+              <a:t>) </a:t>
+            </a:r>
+          </a:p>
+          <a:p>
+            <a:endParaRPr lang="en-US" dirty="0"/>
           </a:p>
         </p:txBody>
       </p:sp>
     </p:spTree>
     <p:extLst>
       <p:ext uri="{BB962C8B-B14F-4D97-AF65-F5344CB8AC3E}">
-        <p14:creationId xmlns:p14="http://schemas.microsoft.com/office/powerpoint/2010/main" val="2254922547"/>
+        <p14:creationId xmlns:p14="http://schemas.microsoft.com/office/powerpoint/2010/main" val="1483848960"/>
       </p:ext>
     </p:extLst>
   </p:cSld>
@@ -8481,98 +8492,6 @@
           <p:cNvPr id="2" name="Title 1">
             <a:extLst>
               <a:ext uri="{FF2B5EF4-FFF2-40B4-BE49-F238E27FC236}">
-                <a16:creationId xmlns:a16="http://schemas.microsoft.com/office/drawing/2014/main" id="{DD5FB95D-3586-4367-9827-F81EF987EAC0}"/>
-              </a:ext>
-            </a:extLst>
-          </p:cNvPr>
-          <p:cNvSpPr>
-            <a:spLocks noGrp="1"/>
-          </p:cNvSpPr>
-          <p:nvPr>
-            <p:ph type="ctrTitle"/>
-          </p:nvPr>
-        </p:nvSpPr>
-        <p:spPr/>
-        <p:txBody>
-          <a:bodyPr/>
-          <a:lstStyle/>
-          <a:p>
-            <a:endParaRPr lang="en-US" dirty="0"/>
-          </a:p>
-        </p:txBody>
-      </p:sp>
-      <p:sp>
-        <p:nvSpPr>
-          <p:cNvPr id="3" name="Subtitle 2">
-            <a:extLst>
-              <a:ext uri="{FF2B5EF4-FFF2-40B4-BE49-F238E27FC236}">
-                <a16:creationId xmlns:a16="http://schemas.microsoft.com/office/drawing/2014/main" id="{66D0240E-DE4F-4D09-8BF7-48274E11D2D9}"/>
-              </a:ext>
-            </a:extLst>
-          </p:cNvPr>
-          <p:cNvSpPr>
-            <a:spLocks noGrp="1"/>
-          </p:cNvSpPr>
-          <p:nvPr>
-            <p:ph type="subTitle" idx="1"/>
-          </p:nvPr>
-        </p:nvSpPr>
-        <p:spPr/>
-        <p:txBody>
-          <a:bodyPr/>
-          <a:lstStyle/>
-          <a:p>
-            <a:endParaRPr lang="en-US" dirty="0"/>
-          </a:p>
-        </p:txBody>
-      </p:sp>
-    </p:spTree>
-    <p:extLst>
-      <p:ext uri="{BB962C8B-B14F-4D97-AF65-F5344CB8AC3E}">
-        <p14:creationId xmlns:p14="http://schemas.microsoft.com/office/powerpoint/2010/main" val="1406887051"/>
-      </p:ext>
-    </p:extLst>
-  </p:cSld>
-  <p:clrMapOvr>
-    <a:masterClrMapping/>
-  </p:clrMapOvr>
-  <mc:AlternateContent xmlns:mc="http://schemas.openxmlformats.org/markup-compatibility/2006" xmlns:p14="http://schemas.microsoft.com/office/powerpoint/2010/main">
-    <mc:Choice Requires="p14">
-      <p:transition spd="med" p14:dur="700">
-        <p:fade/>
-      </p:transition>
-    </mc:Choice>
-    <mc:Fallback xmlns="">
-      <p:transition spd="med">
-        <p:fade/>
-      </p:transition>
-    </mc:Fallback>
-  </mc:AlternateContent>
-</p:sld>
-</file>
-
-<file path=ppt/slides/slide34.xml><?xml version="1.0" encoding="utf-8"?>
-<p:sld xmlns:a="http://schemas.openxmlformats.org/drawingml/2006/main" xmlns:r="http://schemas.openxmlformats.org/officeDocument/2006/relationships" xmlns:p="http://schemas.openxmlformats.org/presentationml/2006/main">
-  <p:cSld>
-    <p:spTree>
-      <p:nvGrpSpPr>
-        <p:cNvPr id="1" name=""/>
-        <p:cNvGrpSpPr/>
-        <p:nvPr/>
-      </p:nvGrpSpPr>
-      <p:grpSpPr>
-        <a:xfrm>
-          <a:off x="0" y="0"/>
-          <a:ext cx="0" cy="0"/>
-          <a:chOff x="0" y="0"/>
-          <a:chExt cx="0" cy="0"/>
-        </a:xfrm>
-      </p:grpSpPr>
-      <p:sp>
-        <p:nvSpPr>
-          <p:cNvPr id="2" name="Title 1">
-            <a:extLst>
-              <a:ext uri="{FF2B5EF4-FFF2-40B4-BE49-F238E27FC236}">
                 <a16:creationId xmlns:a16="http://schemas.microsoft.com/office/drawing/2014/main" id="{5BDC4D72-42A3-4645-B396-5B8AB803D1E4}"/>
               </a:ext>
             </a:extLst>
@@ -8700,208 +8619,97 @@
       </p:grpSpPr>
       <p:sp>
         <p:nvSpPr>
-          <p:cNvPr id="13" name="Title 12"/>
+          <p:cNvPr id="2" name="Title 1">
+            <a:extLst>
+              <a:ext uri="{FF2B5EF4-FFF2-40B4-BE49-F238E27FC236}">
+                <a16:creationId xmlns:a16="http://schemas.microsoft.com/office/drawing/2014/main" id="{116875EF-8016-4608-8C0C-1AAB21B82D2B}"/>
+              </a:ext>
+            </a:extLst>
+          </p:cNvPr>
           <p:cNvSpPr>
             <a:spLocks noGrp="1"/>
           </p:cNvSpPr>
           <p:nvPr>
             <p:ph type="title"/>
           </p:nvPr>
+        </p:nvSpPr>
+        <p:spPr/>
+        <p:txBody>
+          <a:bodyPr/>
+          <a:lstStyle/>
+          <a:p>
+            <a:r>
+              <a:rPr lang="en-US" dirty="0"/>
+              <a:t>What is a Microservice?</a:t>
+            </a:r>
+          </a:p>
+        </p:txBody>
+      </p:sp>
+      <p:sp>
+        <p:nvSpPr>
+          <p:cNvPr id="3" name="TextBox 2">
+            <a:extLst>
+              <a:ext uri="{FF2B5EF4-FFF2-40B4-BE49-F238E27FC236}">
+                <a16:creationId xmlns:a16="http://schemas.microsoft.com/office/drawing/2014/main" id="{A53D43B1-2748-4D30-909E-EC5286A15B21}"/>
+              </a:ext>
+            </a:extLst>
+          </p:cNvPr>
+          <p:cNvSpPr txBox="1"/>
+          <p:nvPr/>
         </p:nvSpPr>
         <p:spPr>
           <a:xfrm>
-            <a:off x="1522413" y="381000"/>
-            <a:ext cx="9144001" cy="685800"/>
+            <a:off x="1522412" y="2514600"/>
+            <a:ext cx="9144001" cy="3108543"/>
           </a:xfrm>
+          <a:prstGeom prst="rect">
+            <a:avLst/>
+          </a:prstGeom>
+          <a:noFill/>
         </p:spPr>
         <p:txBody>
-          <a:bodyPr/>
+          <a:bodyPr wrap="square" rtlCol="0">
+            <a:spAutoFit/>
+          </a:bodyPr>
           <a:lstStyle/>
           <a:p>
             <a:r>
-              <a:rPr lang="en-US" dirty="0"/>
-              <a:t>Microservice characteristics </a:t>
-            </a:r>
-          </a:p>
-        </p:txBody>
-      </p:sp>
-      <p:sp>
-        <p:nvSpPr>
-          <p:cNvPr id="14" name="Content Placeholder 13"/>
-          <p:cNvSpPr>
-            <a:spLocks noGrp="1"/>
-          </p:cNvSpPr>
-          <p:nvPr>
-            <p:ph idx="1"/>
-          </p:nvPr>
-        </p:nvSpPr>
-        <p:spPr>
-          <a:xfrm>
-            <a:off x="1522413" y="1219201"/>
-            <a:ext cx="9134391" cy="4800600"/>
-          </a:xfrm>
-        </p:spPr>
-        <p:txBody>
-          <a:bodyPr/>
-          <a:lstStyle/>
-          <a:p>
-            <a:pPr lvl="0"/>
-            <a:r>
-              <a:rPr lang="en-US" dirty="0"/>
-              <a:t>Services in a microservice architecture (MSA)are often </a:t>
-            </a:r>
-            <a:r>
-              <a:rPr lang="en-US" u="sng" dirty="0">
-                <a:hlinkClick r:id="rId2" tooltip="Process (computing)"/>
+              <a:rPr lang="en-US" sz="2800" dirty="0"/>
+              <a:t>From Wikipedia </a:t>
+            </a:r>
+            <a:br>
+              <a:rPr lang="en-US" sz="2800" dirty="0"/>
+            </a:br>
+            <a:r>
+              <a:rPr lang="en-US" sz="2800" dirty="0"/>
+              <a:t>(</a:t>
+            </a:r>
+            <a:r>
+              <a:rPr lang="en-US" sz="2800" dirty="0">
+                <a:hlinkClick r:id="rId2"/>
               </a:rPr>
-              <a:t>processes</a:t>
-            </a:r>
-            <a:r>
-              <a:rPr lang="en-US" dirty="0"/>
-              <a:t> that communicate over a </a:t>
-            </a:r>
-            <a:r>
-              <a:rPr lang="en-US" u="sng" dirty="0">
-                <a:hlinkClick r:id="rId3" tooltip="Computer network"/>
-              </a:rPr>
-              <a:t>network</a:t>
-            </a:r>
-            <a:r>
-              <a:rPr lang="en-US" dirty="0"/>
-              <a:t> to fulfill a goal using technology-agnostic </a:t>
-            </a:r>
-            <a:r>
-              <a:rPr lang="en-US" u="sng" dirty="0">
-                <a:hlinkClick r:id="rId4" tooltip="Communications protocol"/>
-              </a:rPr>
-              <a:t>protocols</a:t>
-            </a:r>
-            <a:r>
-              <a:rPr lang="en-US" dirty="0"/>
-              <a:t> such as HTTP.</a:t>
-            </a:r>
-            <a:r>
-              <a:rPr lang="en-US" u="sng" baseline="30000" dirty="0">
-                <a:hlinkClick r:id="rId5"/>
-              </a:rPr>
-              <a:t>[5]</a:t>
-            </a:r>
-            <a:r>
-              <a:rPr lang="en-US" u="sng" baseline="30000" dirty="0">
-                <a:hlinkClick r:id="rId6"/>
-              </a:rPr>
-              <a:t>[6]</a:t>
-            </a:r>
-            <a:r>
-              <a:rPr lang="en-US" u="sng" baseline="30000" dirty="0">
-                <a:hlinkClick r:id="rId7"/>
-              </a:rPr>
-              <a:t>[7]</a:t>
-            </a:r>
-            <a:r>
-              <a:rPr lang="en-US" dirty="0"/>
-              <a:t> However, services might also use other kinds of </a:t>
-            </a:r>
-            <a:r>
-              <a:rPr lang="en-US" u="sng" dirty="0">
-                <a:hlinkClick r:id="rId8" tooltip="Inter-process communication"/>
-              </a:rPr>
-              <a:t>inter-process communication</a:t>
-            </a:r>
-            <a:r>
-              <a:rPr lang="en-US" dirty="0"/>
-              <a:t> mechanisms such as </a:t>
-            </a:r>
-            <a:r>
-              <a:rPr lang="en-US" u="sng" dirty="0">
-                <a:hlinkClick r:id="rId9" tooltip="Shared memory"/>
-              </a:rPr>
-              <a:t>shared memory</a:t>
-            </a:r>
-            <a:r>
-              <a:rPr lang="en-US" dirty="0"/>
-              <a:t>.</a:t>
-            </a:r>
-            <a:r>
-              <a:rPr lang="en-US" u="sng" baseline="30000" dirty="0">
-                <a:hlinkClick r:id="rId10"/>
-              </a:rPr>
-              <a:t>[8]</a:t>
-            </a:r>
-            <a:r>
-              <a:rPr lang="en-US" dirty="0"/>
-              <a:t> Services might also run within the same process as, for example, </a:t>
-            </a:r>
-            <a:r>
-              <a:rPr lang="en-US" u="sng" dirty="0">
-                <a:hlinkClick r:id="rId11" tooltip="OSGi"/>
-              </a:rPr>
-              <a:t>OSGI</a:t>
-            </a:r>
-            <a:r>
-              <a:rPr lang="en-US" dirty="0"/>
-              <a:t> bundles.</a:t>
-            </a:r>
-          </a:p>
-          <a:p>
-            <a:pPr lvl="0"/>
-            <a:r>
-              <a:rPr lang="en-US" dirty="0"/>
-              <a:t>Services in a microservice architecture are independently deployable.</a:t>
-            </a:r>
-            <a:r>
-              <a:rPr lang="en-US" u="sng" baseline="30000" dirty="0">
-                <a:hlinkClick r:id="rId12"/>
-              </a:rPr>
-              <a:t>[9]</a:t>
-            </a:r>
-            <a:r>
-              <a:rPr lang="en-US" u="sng" baseline="30000" dirty="0">
-                <a:hlinkClick r:id="rId13"/>
-              </a:rPr>
-              <a:t>[1]</a:t>
-            </a:r>
-            <a:endParaRPr lang="en-US" u="sng" baseline="30000" dirty="0"/>
-          </a:p>
-          <a:p>
-            <a:pPr lvl="0"/>
-            <a:r>
-              <a:rPr lang="en-US" dirty="0"/>
-              <a:t>The services are easy to replace.</a:t>
-            </a:r>
-          </a:p>
-          <a:p>
-            <a:pPr lvl="0"/>
-            <a:r>
-              <a:rPr lang="en-US" dirty="0"/>
-              <a:t>Services are organized around capabilities, e.g., </a:t>
-            </a:r>
-            <a:r>
-              <a:rPr lang="en-US" u="sng" dirty="0">
-                <a:hlinkClick r:id="rId14" tooltip="User interface"/>
-              </a:rPr>
-              <a:t>user interface</a:t>
-            </a:r>
-            <a:r>
-              <a:rPr lang="en-US" dirty="0"/>
-              <a:t> front-end, recommendation, logistics, billing, etc.</a:t>
-            </a:r>
-          </a:p>
-          <a:p>
-            <a:endParaRPr lang="en-US" dirty="0"/>
-          </a:p>
-          <a:p>
-            <a:endParaRPr lang="en-US" dirty="0"/>
-          </a:p>
-          <a:p>
-            <a:endParaRPr lang="en-US" dirty="0"/>
+              <a:t>https://en.wikipedia.org/wiki/Microservices </a:t>
+            </a:r>
+            <a:r>
+              <a:rPr lang="en-US" sz="2800" dirty="0"/>
+              <a:t>):</a:t>
+            </a:r>
+          </a:p>
+          <a:p>
+            <a:endParaRPr lang="en-US" sz="2800" dirty="0"/>
+          </a:p>
+          <a:p>
+            <a:r>
+              <a:rPr lang="en-US" sz="2800" dirty="0"/>
+              <a:t>There is no industry consensus yet regarding the properties of microservices, and an official definition is missing as well. Some of the defining characteristics that are frequently cited include…</a:t>
+            </a:r>
           </a:p>
         </p:txBody>
       </p:sp>
     </p:spTree>
     <p:extLst>
       <p:ext uri="{BB962C8B-B14F-4D97-AF65-F5344CB8AC3E}">
-        <p14:creationId xmlns:p14="http://schemas.microsoft.com/office/powerpoint/2010/main" val="2139132589"/>
+        <p14:creationId xmlns:p14="http://schemas.microsoft.com/office/powerpoint/2010/main" val="2254922547"/>
       </p:ext>
     </p:extLst>
   </p:cSld>
@@ -8920,451 +8728,6 @@
       </p:transition>
     </mc:Fallback>
   </mc:AlternateContent>
-  <p:timing>
-    <p:tnLst>
-      <p:par>
-        <p:cTn id="1" dur="indefinite" restart="never" nodeType="tmRoot">
-          <p:childTnLst>
-            <p:seq concurrent="1" nextAc="seek">
-              <p:cTn id="2" dur="indefinite" nodeType="mainSeq">
-                <p:childTnLst>
-                  <p:par>
-                    <p:cTn id="3" fill="hold">
-                      <p:stCondLst>
-                        <p:cond delay="indefinite"/>
-                      </p:stCondLst>
-                      <p:childTnLst>
-                        <p:par>
-                          <p:cTn id="4" fill="hold">
-                            <p:stCondLst>
-                              <p:cond delay="0"/>
-                            </p:stCondLst>
-                            <p:childTnLst>
-                              <p:par>
-                                <p:cTn id="5" presetID="2" presetClass="entr" presetSubtype="4" fill="hold" grpId="0" nodeType="clickEffect">
-                                  <p:stCondLst>
-                                    <p:cond delay="0"/>
-                                  </p:stCondLst>
-                                  <p:childTnLst>
-                                    <p:set>
-                                      <p:cBhvr>
-                                        <p:cTn id="6" dur="1" fill="hold">
-                                          <p:stCondLst>
-                                            <p:cond delay="0"/>
-                                          </p:stCondLst>
-                                        </p:cTn>
-                                        <p:tgtEl>
-                                          <p:spTgt spid="14">
-                                            <p:txEl>
-                                              <p:pRg st="0" end="0"/>
-                                            </p:txEl>
-                                          </p:spTgt>
-                                        </p:tgtEl>
-                                        <p:attrNameLst>
-                                          <p:attrName>style.visibility</p:attrName>
-                                        </p:attrNameLst>
-                                      </p:cBhvr>
-                                      <p:to>
-                                        <p:strVal val="visible"/>
-                                      </p:to>
-                                    </p:set>
-                                    <p:anim calcmode="lin" valueType="num">
-                                      <p:cBhvr additive="base">
-                                        <p:cTn id="7" dur="500" fill="hold"/>
-                                        <p:tgtEl>
-                                          <p:spTgt spid="14">
-                                            <p:txEl>
-                                              <p:pRg st="0" end="0"/>
-                                            </p:txEl>
-                                          </p:spTgt>
-                                        </p:tgtEl>
-                                        <p:attrNameLst>
-                                          <p:attrName>ppt_x</p:attrName>
-                                        </p:attrNameLst>
-                                      </p:cBhvr>
-                                      <p:tavLst>
-                                        <p:tav tm="0">
-                                          <p:val>
-                                            <p:strVal val="#ppt_x"/>
-                                          </p:val>
-                                        </p:tav>
-                                        <p:tav tm="100000">
-                                          <p:val>
-                                            <p:strVal val="#ppt_x"/>
-                                          </p:val>
-                                        </p:tav>
-                                      </p:tavLst>
-                                    </p:anim>
-                                    <p:anim calcmode="lin" valueType="num">
-                                      <p:cBhvr additive="base">
-                                        <p:cTn id="8" dur="500" fill="hold"/>
-                                        <p:tgtEl>
-                                          <p:spTgt spid="14">
-                                            <p:txEl>
-                                              <p:pRg st="0" end="0"/>
-                                            </p:txEl>
-                                          </p:spTgt>
-                                        </p:tgtEl>
-                                        <p:attrNameLst>
-                                          <p:attrName>ppt_y</p:attrName>
-                                        </p:attrNameLst>
-                                      </p:cBhvr>
-                                      <p:tavLst>
-                                        <p:tav tm="0">
-                                          <p:val>
-                                            <p:strVal val="1+#ppt_h/2"/>
-                                          </p:val>
-                                        </p:tav>
-                                        <p:tav tm="100000">
-                                          <p:val>
-                                            <p:strVal val="#ppt_y"/>
-                                          </p:val>
-                                        </p:tav>
-                                      </p:tavLst>
-                                    </p:anim>
-                                  </p:childTnLst>
-                                </p:cTn>
-                              </p:par>
-                            </p:childTnLst>
-                          </p:cTn>
-                        </p:par>
-                      </p:childTnLst>
-                    </p:cTn>
-                  </p:par>
-                  <p:par>
-                    <p:cTn id="9" fill="hold">
-                      <p:stCondLst>
-                        <p:cond delay="indefinite"/>
-                      </p:stCondLst>
-                      <p:childTnLst>
-                        <p:par>
-                          <p:cTn id="10" fill="hold">
-                            <p:stCondLst>
-                              <p:cond delay="0"/>
-                            </p:stCondLst>
-                            <p:childTnLst>
-                              <p:par>
-                                <p:cTn id="11" presetID="2" presetClass="entr" presetSubtype="4" fill="hold" grpId="0" nodeType="clickEffect">
-                                  <p:stCondLst>
-                                    <p:cond delay="0"/>
-                                  </p:stCondLst>
-                                  <p:childTnLst>
-                                    <p:set>
-                                      <p:cBhvr>
-                                        <p:cTn id="12" dur="1" fill="hold">
-                                          <p:stCondLst>
-                                            <p:cond delay="0"/>
-                                          </p:stCondLst>
-                                        </p:cTn>
-                                        <p:tgtEl>
-                                          <p:spTgt spid="14">
-                                            <p:txEl>
-                                              <p:pRg st="1" end="1"/>
-                                            </p:txEl>
-                                          </p:spTgt>
-                                        </p:tgtEl>
-                                        <p:attrNameLst>
-                                          <p:attrName>style.visibility</p:attrName>
-                                        </p:attrNameLst>
-                                      </p:cBhvr>
-                                      <p:to>
-                                        <p:strVal val="visible"/>
-                                      </p:to>
-                                    </p:set>
-                                    <p:anim calcmode="lin" valueType="num">
-                                      <p:cBhvr additive="base">
-                                        <p:cTn id="13" dur="500" fill="hold"/>
-                                        <p:tgtEl>
-                                          <p:spTgt spid="14">
-                                            <p:txEl>
-                                              <p:pRg st="1" end="1"/>
-                                            </p:txEl>
-                                          </p:spTgt>
-                                        </p:tgtEl>
-                                        <p:attrNameLst>
-                                          <p:attrName>ppt_x</p:attrName>
-                                        </p:attrNameLst>
-                                      </p:cBhvr>
-                                      <p:tavLst>
-                                        <p:tav tm="0">
-                                          <p:val>
-                                            <p:strVal val="#ppt_x"/>
-                                          </p:val>
-                                        </p:tav>
-                                        <p:tav tm="100000">
-                                          <p:val>
-                                            <p:strVal val="#ppt_x"/>
-                                          </p:val>
-                                        </p:tav>
-                                      </p:tavLst>
-                                    </p:anim>
-                                    <p:anim calcmode="lin" valueType="num">
-                                      <p:cBhvr additive="base">
-                                        <p:cTn id="14" dur="500" fill="hold"/>
-                                        <p:tgtEl>
-                                          <p:spTgt spid="14">
-                                            <p:txEl>
-                                              <p:pRg st="1" end="1"/>
-                                            </p:txEl>
-                                          </p:spTgt>
-                                        </p:tgtEl>
-                                        <p:attrNameLst>
-                                          <p:attrName>ppt_y</p:attrName>
-                                        </p:attrNameLst>
-                                      </p:cBhvr>
-                                      <p:tavLst>
-                                        <p:tav tm="0">
-                                          <p:val>
-                                            <p:strVal val="1+#ppt_h/2"/>
-                                          </p:val>
-                                        </p:tav>
-                                        <p:tav tm="100000">
-                                          <p:val>
-                                            <p:strVal val="#ppt_y"/>
-                                          </p:val>
-                                        </p:tav>
-                                      </p:tavLst>
-                                    </p:anim>
-                                  </p:childTnLst>
-                                </p:cTn>
-                              </p:par>
-                            </p:childTnLst>
-                          </p:cTn>
-                        </p:par>
-                      </p:childTnLst>
-                    </p:cTn>
-                  </p:par>
-                  <p:par>
-                    <p:cTn id="15" fill="hold">
-                      <p:stCondLst>
-                        <p:cond delay="indefinite"/>
-                      </p:stCondLst>
-                      <p:childTnLst>
-                        <p:par>
-                          <p:cTn id="16" fill="hold">
-                            <p:stCondLst>
-                              <p:cond delay="0"/>
-                            </p:stCondLst>
-                            <p:childTnLst>
-                              <p:par>
-                                <p:cTn id="17" presetID="2" presetClass="entr" presetSubtype="4" fill="hold" grpId="0" nodeType="clickEffect">
-                                  <p:stCondLst>
-                                    <p:cond delay="0"/>
-                                  </p:stCondLst>
-                                  <p:childTnLst>
-                                    <p:set>
-                                      <p:cBhvr>
-                                        <p:cTn id="18" dur="1" fill="hold">
-                                          <p:stCondLst>
-                                            <p:cond delay="0"/>
-                                          </p:stCondLst>
-                                        </p:cTn>
-                                        <p:tgtEl>
-                                          <p:spTgt spid="14">
-                                            <p:txEl>
-                                              <p:pRg st="2" end="2"/>
-                                            </p:txEl>
-                                          </p:spTgt>
-                                        </p:tgtEl>
-                                        <p:attrNameLst>
-                                          <p:attrName>style.visibility</p:attrName>
-                                        </p:attrNameLst>
-                                      </p:cBhvr>
-                                      <p:to>
-                                        <p:strVal val="visible"/>
-                                      </p:to>
-                                    </p:set>
-                                    <p:anim calcmode="lin" valueType="num">
-                                      <p:cBhvr additive="base">
-                                        <p:cTn id="19" dur="500" fill="hold"/>
-                                        <p:tgtEl>
-                                          <p:spTgt spid="14">
-                                            <p:txEl>
-                                              <p:pRg st="2" end="2"/>
-                                            </p:txEl>
-                                          </p:spTgt>
-                                        </p:tgtEl>
-                                        <p:attrNameLst>
-                                          <p:attrName>ppt_x</p:attrName>
-                                        </p:attrNameLst>
-                                      </p:cBhvr>
-                                      <p:tavLst>
-                                        <p:tav tm="0">
-                                          <p:val>
-                                            <p:strVal val="#ppt_x"/>
-                                          </p:val>
-                                        </p:tav>
-                                        <p:tav tm="100000">
-                                          <p:val>
-                                            <p:strVal val="#ppt_x"/>
-                                          </p:val>
-                                        </p:tav>
-                                      </p:tavLst>
-                                    </p:anim>
-                                    <p:anim calcmode="lin" valueType="num">
-                                      <p:cBhvr additive="base">
-                                        <p:cTn id="20" dur="500" fill="hold"/>
-                                        <p:tgtEl>
-                                          <p:spTgt spid="14">
-                                            <p:txEl>
-                                              <p:pRg st="2" end="2"/>
-                                            </p:txEl>
-                                          </p:spTgt>
-                                        </p:tgtEl>
-                                        <p:attrNameLst>
-                                          <p:attrName>ppt_y</p:attrName>
-                                        </p:attrNameLst>
-                                      </p:cBhvr>
-                                      <p:tavLst>
-                                        <p:tav tm="0">
-                                          <p:val>
-                                            <p:strVal val="1+#ppt_h/2"/>
-                                          </p:val>
-                                        </p:tav>
-                                        <p:tav tm="100000">
-                                          <p:val>
-                                            <p:strVal val="#ppt_y"/>
-                                          </p:val>
-                                        </p:tav>
-                                      </p:tavLst>
-                                    </p:anim>
-                                  </p:childTnLst>
-                                </p:cTn>
-                              </p:par>
-                            </p:childTnLst>
-                          </p:cTn>
-                        </p:par>
-                      </p:childTnLst>
-                    </p:cTn>
-                  </p:par>
-                  <p:par>
-                    <p:cTn id="21" fill="hold">
-                      <p:stCondLst>
-                        <p:cond delay="indefinite"/>
-                      </p:stCondLst>
-                      <p:childTnLst>
-                        <p:par>
-                          <p:cTn id="22" fill="hold">
-                            <p:stCondLst>
-                              <p:cond delay="0"/>
-                            </p:stCondLst>
-                            <p:childTnLst>
-                              <p:par>
-                                <p:cTn id="23" presetID="2" presetClass="entr" presetSubtype="4" fill="hold" grpId="0" nodeType="clickEffect">
-                                  <p:stCondLst>
-                                    <p:cond delay="0"/>
-                                  </p:stCondLst>
-                                  <p:childTnLst>
-                                    <p:set>
-                                      <p:cBhvr>
-                                        <p:cTn id="24" dur="1" fill="hold">
-                                          <p:stCondLst>
-                                            <p:cond delay="0"/>
-                                          </p:stCondLst>
-                                        </p:cTn>
-                                        <p:tgtEl>
-                                          <p:spTgt spid="14">
-                                            <p:txEl>
-                                              <p:pRg st="3" end="3"/>
-                                            </p:txEl>
-                                          </p:spTgt>
-                                        </p:tgtEl>
-                                        <p:attrNameLst>
-                                          <p:attrName>style.visibility</p:attrName>
-                                        </p:attrNameLst>
-                                      </p:cBhvr>
-                                      <p:to>
-                                        <p:strVal val="visible"/>
-                                      </p:to>
-                                    </p:set>
-                                    <p:anim calcmode="lin" valueType="num">
-                                      <p:cBhvr additive="base">
-                                        <p:cTn id="25" dur="500" fill="hold"/>
-                                        <p:tgtEl>
-                                          <p:spTgt spid="14">
-                                            <p:txEl>
-                                              <p:pRg st="3" end="3"/>
-                                            </p:txEl>
-                                          </p:spTgt>
-                                        </p:tgtEl>
-                                        <p:attrNameLst>
-                                          <p:attrName>ppt_x</p:attrName>
-                                        </p:attrNameLst>
-                                      </p:cBhvr>
-                                      <p:tavLst>
-                                        <p:tav tm="0">
-                                          <p:val>
-                                            <p:strVal val="#ppt_x"/>
-                                          </p:val>
-                                        </p:tav>
-                                        <p:tav tm="100000">
-                                          <p:val>
-                                            <p:strVal val="#ppt_x"/>
-                                          </p:val>
-                                        </p:tav>
-                                      </p:tavLst>
-                                    </p:anim>
-                                    <p:anim calcmode="lin" valueType="num">
-                                      <p:cBhvr additive="base">
-                                        <p:cTn id="26" dur="500" fill="hold"/>
-                                        <p:tgtEl>
-                                          <p:spTgt spid="14">
-                                            <p:txEl>
-                                              <p:pRg st="3" end="3"/>
-                                            </p:txEl>
-                                          </p:spTgt>
-                                        </p:tgtEl>
-                                        <p:attrNameLst>
-                                          <p:attrName>ppt_y</p:attrName>
-                                        </p:attrNameLst>
-                                      </p:cBhvr>
-                                      <p:tavLst>
-                                        <p:tav tm="0">
-                                          <p:val>
-                                            <p:strVal val="1+#ppt_h/2"/>
-                                          </p:val>
-                                        </p:tav>
-                                        <p:tav tm="100000">
-                                          <p:val>
-                                            <p:strVal val="#ppt_y"/>
-                                          </p:val>
-                                        </p:tav>
-                                      </p:tavLst>
-                                    </p:anim>
-                                  </p:childTnLst>
-                                </p:cTn>
-                              </p:par>
-                            </p:childTnLst>
-                          </p:cTn>
-                        </p:par>
-                      </p:childTnLst>
-                    </p:cTn>
-                  </p:par>
-                </p:childTnLst>
-              </p:cTn>
-              <p:prevCondLst>
-                <p:cond evt="onPrev" delay="0">
-                  <p:tgtEl>
-                    <p:sldTgt/>
-                  </p:tgtEl>
-                </p:cond>
-              </p:prevCondLst>
-              <p:nextCondLst>
-                <p:cond evt="onNext" delay="0">
-                  <p:tgtEl>
-                    <p:sldTgt/>
-                  </p:tgtEl>
-                </p:cond>
-              </p:nextCondLst>
-            </p:seq>
-          </p:childTnLst>
-        </p:cTn>
-      </p:par>
-    </p:tnLst>
-    <p:bldLst>
-      <p:bldP spid="14" grpId="0" uiExpand="1" build="p"/>
-    </p:bldLst>
-  </p:timing>
 </p:sld>
 </file>
 
